--- a/OpenSystemCall-ParagDudeja.pptx
+++ b/OpenSystemCall-ParagDudeja.pptx
@@ -113,6 +113,11 @@
       </a:defRPr>
     </a:lvl9pPr>
   </p:defaultTextStyle>
+  <p:extLst>
+    <p:ext uri="{EFAFB233-063F-42B5-8137-9DF3F51BA10A}">
+      <p15:sldGuideLst xmlns:p15="http://schemas.microsoft.com/office/powerpoint/2012/main"/>
+    </p:ext>
+  </p:extLst>
 </p:presentation>
 </file>
 
@@ -211,7 +216,7 @@
           <a:effectLst/>
           <a:extLst>
             <a:ext uri="{91240B29-F687-4f45-9708-019B960494DF}">
-              <a14:hiddenLine xmlns:a14="http://schemas.microsoft.com/office/drawing/2010/main" xmlns="" w="9525">
+              <a14:hiddenLine xmlns="" xmlns:a14="http://schemas.microsoft.com/office/drawing/2010/main" w="9525">
                 <a:solidFill>
                   <a:srgbClr val="000000"/>
                 </a:solidFill>
@@ -1721,7 +1726,7 @@
           <a:ln/>
           <a:extLst>
             <a:ext uri="{91240B29-F687-4f45-9708-019B960494DF}">
-              <a14:hiddenLine xmlns:a14="http://schemas.microsoft.com/office/drawing/2010/main" xmlns="" w="9525">
+              <a14:hiddenLine xmlns="" xmlns:a14="http://schemas.microsoft.com/office/drawing/2010/main" w="9525">
                 <a:solidFill>
                   <a:srgbClr val="000000"/>
                 </a:solidFill>
@@ -1993,7 +1998,7 @@
           <a:ln/>
           <a:extLst>
             <a:ext uri="{91240B29-F687-4f45-9708-019B960494DF}">
-              <a14:hiddenLine xmlns:a14="http://schemas.microsoft.com/office/drawing/2010/main" xmlns="" w="9525">
+              <a14:hiddenLine xmlns="" xmlns:a14="http://schemas.microsoft.com/office/drawing/2010/main" w="9525">
                 <a:solidFill>
                   <a:srgbClr val="000000"/>
                 </a:solidFill>
@@ -2273,7 +2278,7 @@
           <a:ln/>
           <a:extLst>
             <a:ext uri="{91240B29-F687-4f45-9708-019B960494DF}">
-              <a14:hiddenLine xmlns:a14="http://schemas.microsoft.com/office/drawing/2010/main" xmlns="" w="9525">
+              <a14:hiddenLine xmlns="" xmlns:a14="http://schemas.microsoft.com/office/drawing/2010/main" w="9525">
                 <a:solidFill>
                   <a:srgbClr val="000000"/>
                 </a:solidFill>
@@ -2893,7 +2898,7 @@
           <a:ln/>
           <a:extLst>
             <a:ext uri="{91240B29-F687-4f45-9708-019B960494DF}">
-              <a14:hiddenLine xmlns:a14="http://schemas.microsoft.com/office/drawing/2010/main" xmlns="" w="9525">
+              <a14:hiddenLine xmlns="" xmlns:a14="http://schemas.microsoft.com/office/drawing/2010/main" w="9525">
                 <a:solidFill>
                   <a:srgbClr val="000000"/>
                 </a:solidFill>
@@ -3229,7 +3234,7 @@
           <a:ln/>
           <a:extLst>
             <a:ext uri="{91240B29-F687-4f45-9708-019B960494DF}">
-              <a14:hiddenLine xmlns:a14="http://schemas.microsoft.com/office/drawing/2010/main" xmlns="" w="9525">
+              <a14:hiddenLine xmlns="" xmlns:a14="http://schemas.microsoft.com/office/drawing/2010/main" w="9525">
                 <a:solidFill>
                   <a:srgbClr val="000000"/>
                 </a:solidFill>
@@ -3703,7 +3708,7 @@
           <a:ln/>
           <a:extLst>
             <a:ext uri="{91240B29-F687-4f45-9708-019B960494DF}">
-              <a14:hiddenLine xmlns:a14="http://schemas.microsoft.com/office/drawing/2010/main" xmlns="" w="9525">
+              <a14:hiddenLine xmlns="" xmlns:a14="http://schemas.microsoft.com/office/drawing/2010/main" w="9525">
                 <a:solidFill>
                   <a:srgbClr val="000000"/>
                 </a:solidFill>
@@ -4126,7 +4131,7 @@
           <a:ln/>
           <a:extLst>
             <a:ext uri="{91240B29-F687-4f45-9708-019B960494DF}">
-              <a14:hiddenLine xmlns:a14="http://schemas.microsoft.com/office/drawing/2010/main" xmlns="" w="9525">
+              <a14:hiddenLine xmlns="" xmlns:a14="http://schemas.microsoft.com/office/drawing/2010/main" w="9525">
                 <a:solidFill>
                   <a:srgbClr val="000000"/>
                 </a:solidFill>
@@ -5412,9 +5417,10 @@
           </a:p>
           <a:p>
             <a:r>
-              <a:rPr lang="en-IN" dirty="0"/>
-              <a:t>2034757030</a:t>
-            </a:r>
+              <a:rPr lang="en-IN"/>
+              <a:t>20234757030</a:t>
+            </a:r>
+            <a:endParaRPr lang="en-IN" dirty="0"/>
           </a:p>
         </p:txBody>
       </p:sp>

--- a/OpenSystemCall-ParagDudeja.pptx
+++ b/OpenSystemCall-ParagDudeja.pptx
@@ -216,7 +216,7 @@
           <a:effectLst/>
           <a:extLst>
             <a:ext uri="{91240B29-F687-4f45-9708-019B960494DF}">
-              <a14:hiddenLine xmlns="" xmlns:a14="http://schemas.microsoft.com/office/drawing/2010/main" w="9525">
+              <a14:hiddenLine xmlns:a14="http://schemas.microsoft.com/office/drawing/2010/main" xmlns="" w="9525">
                 <a:solidFill>
                   <a:srgbClr val="000000"/>
                 </a:solidFill>
@@ -409,7 +409,7 @@
             <a:fld id="{08B9EBBA-996F-894A-B54A-D6246ED52CEA}" type="datetimeFigureOut">
               <a:rPr lang="en-US" dirty="0"/>
               <a:pPr/>
-              <a:t>4/11/2022</a:t>
+              <a:t>4/13/2022</a:t>
             </a:fld>
             <a:endParaRPr lang="en-US" dirty="0"/>
           </a:p>
@@ -724,7 +724,7 @@
             <a:fld id="{18C79C5D-2A6F-F04D-97DA-BEF2467B64E4}" type="datetimeFigureOut">
               <a:rPr lang="en-US" dirty="0"/>
               <a:pPr/>
-              <a:t>4/11/2022</a:t>
+              <a:t>4/13/2022</a:t>
             </a:fld>
             <a:endParaRPr lang="en-US" dirty="0"/>
           </a:p>
@@ -1209,7 +1209,7 @@
             <a:fld id="{8DFA1846-DA80-1C48-A609-854EA85C59AD}" type="datetimeFigureOut">
               <a:rPr lang="en-US" dirty="0"/>
               <a:pPr/>
-              <a:t>4/11/2022</a:t>
+              <a:t>4/13/2022</a:t>
             </a:fld>
             <a:endParaRPr lang="en-US" dirty="0"/>
           </a:p>
@@ -1575,7 +1575,7 @@
             <a:fld id="{FBF54567-0DE4-3F47-BF90-CB84690072F9}" type="datetimeFigureOut">
               <a:rPr lang="en-US" dirty="0"/>
               <a:pPr/>
-              <a:t>4/11/2022</a:t>
+              <a:t>4/13/2022</a:t>
             </a:fld>
             <a:endParaRPr lang="en-US" dirty="0"/>
           </a:p>
@@ -1726,7 +1726,7 @@
           <a:ln/>
           <a:extLst>
             <a:ext uri="{91240B29-F687-4f45-9708-019B960494DF}">
-              <a14:hiddenLine xmlns="" xmlns:a14="http://schemas.microsoft.com/office/drawing/2010/main" w="9525">
+              <a14:hiddenLine xmlns:a14="http://schemas.microsoft.com/office/drawing/2010/main" xmlns="" w="9525">
                 <a:solidFill>
                   <a:srgbClr val="000000"/>
                 </a:solidFill>
@@ -1845,7 +1845,7 @@
             <a:fld id="{C6C52C72-DE31-F449-A4ED-4C594FD91407}" type="datetimeFigureOut">
               <a:rPr lang="en-US" dirty="0"/>
               <a:pPr/>
-              <a:t>4/11/2022</a:t>
+              <a:t>4/13/2022</a:t>
             </a:fld>
             <a:endParaRPr lang="en-US" dirty="0"/>
           </a:p>
@@ -1998,7 +1998,7 @@
           <a:ln/>
           <a:extLst>
             <a:ext uri="{91240B29-F687-4f45-9708-019B960494DF}">
-              <a14:hiddenLine xmlns="" xmlns:a14="http://schemas.microsoft.com/office/drawing/2010/main" w="9525">
+              <a14:hiddenLine xmlns:a14="http://schemas.microsoft.com/office/drawing/2010/main" xmlns="" w="9525">
                 <a:solidFill>
                   <a:srgbClr val="000000"/>
                 </a:solidFill>
@@ -2127,7 +2127,7 @@
             <a:fld id="{ED62726E-379B-B349-9EED-81ED093FA806}" type="datetimeFigureOut">
               <a:rPr lang="en-US" dirty="0"/>
               <a:pPr/>
-              <a:t>4/11/2022</a:t>
+              <a:t>4/13/2022</a:t>
             </a:fld>
             <a:endParaRPr lang="en-US" dirty="0"/>
           </a:p>
@@ -2278,7 +2278,7 @@
           <a:ln/>
           <a:extLst>
             <a:ext uri="{91240B29-F687-4f45-9708-019B960494DF}">
-              <a14:hiddenLine xmlns="" xmlns:a14="http://schemas.microsoft.com/office/drawing/2010/main" w="9525">
+              <a14:hiddenLine xmlns:a14="http://schemas.microsoft.com/office/drawing/2010/main" xmlns="" w="9525">
                 <a:solidFill>
                   <a:srgbClr val="000000"/>
                 </a:solidFill>
@@ -2407,7 +2407,7 @@
             <a:fld id="{9B3A1323-8D79-1946-B0D7-40001CF92E9D}" type="datetimeFigureOut">
               <a:rPr lang="en-US" dirty="0"/>
               <a:pPr/>
-              <a:t>4/11/2022</a:t>
+              <a:t>4/13/2022</a:t>
             </a:fld>
             <a:endParaRPr lang="en-US" dirty="0"/>
           </a:p>
@@ -2747,7 +2747,7 @@
             <a:fld id="{8DFA1846-DA80-1C48-A609-854EA85C59AD}" type="datetimeFigureOut">
               <a:rPr lang="en-US" dirty="0"/>
               <a:pPr/>
-              <a:t>4/11/2022</a:t>
+              <a:t>4/13/2022</a:t>
             </a:fld>
             <a:endParaRPr lang="en-US" dirty="0"/>
           </a:p>
@@ -2898,7 +2898,7 @@
           <a:ln/>
           <a:extLst>
             <a:ext uri="{91240B29-F687-4f45-9708-019B960494DF}">
-              <a14:hiddenLine xmlns="" xmlns:a14="http://schemas.microsoft.com/office/drawing/2010/main" w="9525">
+              <a14:hiddenLine xmlns:a14="http://schemas.microsoft.com/office/drawing/2010/main" xmlns="" w="9525">
                 <a:solidFill>
                   <a:srgbClr val="000000"/>
                 </a:solidFill>
@@ -3083,7 +3083,7 @@
             <a:fld id="{57302355-E14B-8545-A8F8-0FE83CC9D524}" type="datetimeFigureOut">
               <a:rPr lang="en-US" dirty="0"/>
               <a:pPr/>
-              <a:t>4/11/2022</a:t>
+              <a:t>4/13/2022</a:t>
             </a:fld>
             <a:endParaRPr lang="en-US" dirty="0"/>
           </a:p>
@@ -3234,7 +3234,7 @@
           <a:ln/>
           <a:extLst>
             <a:ext uri="{91240B29-F687-4f45-9708-019B960494DF}">
-              <a14:hiddenLine xmlns="" xmlns:a14="http://schemas.microsoft.com/office/drawing/2010/main" w="9525">
+              <a14:hiddenLine xmlns:a14="http://schemas.microsoft.com/office/drawing/2010/main" xmlns="" w="9525">
                 <a:solidFill>
                   <a:srgbClr val="000000"/>
                 </a:solidFill>
@@ -3557,7 +3557,7 @@
             <a:fld id="{02640F58-564D-2B4F-AE67-E407BA4FCF45}" type="datetimeFigureOut">
               <a:rPr lang="en-US" dirty="0"/>
               <a:pPr/>
-              <a:t>4/11/2022</a:t>
+              <a:t>4/13/2022</a:t>
             </a:fld>
             <a:endParaRPr lang="en-US" dirty="0"/>
           </a:p>
@@ -3708,7 +3708,7 @@
           <a:ln/>
           <a:extLst>
             <a:ext uri="{91240B29-F687-4f45-9708-019B960494DF}">
-              <a14:hiddenLine xmlns="" xmlns:a14="http://schemas.microsoft.com/office/drawing/2010/main" w="9525">
+              <a14:hiddenLine xmlns:a14="http://schemas.microsoft.com/office/drawing/2010/main" xmlns="" w="9525">
                 <a:solidFill>
                   <a:srgbClr val="000000"/>
                 </a:solidFill>
@@ -3775,7 +3775,7 @@
             <a:fld id="{F13A34C8-038E-2045-AF43-DF7DBB8E0E9E}" type="datetimeFigureOut">
               <a:rPr lang="en-US" dirty="0"/>
               <a:pPr/>
-              <a:t>4/11/2022</a:t>
+              <a:t>4/13/2022</a:t>
             </a:fld>
             <a:endParaRPr lang="en-US" dirty="0"/>
           </a:p>
@@ -3867,7 +3867,7 @@
             <a:fld id="{8818C68F-D26B-8F47-958C-23B49CF8A634}" type="datetimeFigureOut">
               <a:rPr lang="en-US" dirty="0"/>
               <a:pPr/>
-              <a:t>4/11/2022</a:t>
+              <a:t>4/13/2022</a:t>
             </a:fld>
             <a:endParaRPr lang="en-US" dirty="0"/>
           </a:p>
@@ -4131,7 +4131,7 @@
           <a:ln/>
           <a:extLst>
             <a:ext uri="{91240B29-F687-4f45-9708-019B960494DF}">
-              <a14:hiddenLine xmlns="" xmlns:a14="http://schemas.microsoft.com/office/drawing/2010/main" w="9525">
+              <a14:hiddenLine xmlns:a14="http://schemas.microsoft.com/office/drawing/2010/main" xmlns="" w="9525">
                 <a:solidFill>
                   <a:srgbClr val="000000"/>
                 </a:solidFill>
@@ -4331,7 +4331,7 @@
             <a:fld id="{D0DF5E60-9974-AC48-9591-99C2BB44B7CF}" type="datetimeFigureOut">
               <a:rPr lang="en-US" dirty="0"/>
               <a:pPr/>
-              <a:t>4/11/2022</a:t>
+              <a:t>4/13/2022</a:t>
             </a:fld>
             <a:endParaRPr lang="en-US" dirty="0"/>
           </a:p>
@@ -4641,7 +4641,7 @@
             <a:fld id="{18C79C5D-2A6F-F04D-97DA-BEF2467B64E4}" type="datetimeFigureOut">
               <a:rPr lang="en-US" dirty="0"/>
               <a:pPr/>
-              <a:t>4/11/2022</a:t>
+              <a:t>4/13/2022</a:t>
             </a:fld>
             <a:endParaRPr lang="en-US" dirty="0"/>
           </a:p>
@@ -4908,7 +4908,7 @@
             <a:fld id="{09B482E8-6E0E-1B4F-B1FD-C69DB9E858D9}" type="datetimeFigureOut">
               <a:rPr lang="en-US" dirty="0"/>
               <a:pPr/>
-              <a:t>4/11/2022</a:t>
+              <a:t>4/13/2022</a:t>
             </a:fld>
             <a:endParaRPr lang="en-US" dirty="0"/>
           </a:p>
@@ -5376,7 +5376,7 @@
           <a:lstStyle/>
           <a:p>
             <a:r>
-              <a:rPr lang="en-IN" dirty="0"/>
+              <a:rPr lang="en-IN" sz="8000" dirty="0"/>
               <a:t>OPEN SYSTEM CALL</a:t>
             </a:r>
           </a:p>
@@ -5417,10 +5417,9 @@
           </a:p>
           <a:p>
             <a:r>
-              <a:rPr lang="en-IN"/>
+              <a:rPr lang="en-IN" dirty="0"/>
               <a:t>20234757030</a:t>
             </a:r>
-            <a:endParaRPr lang="en-IN" dirty="0"/>
           </a:p>
         </p:txBody>
       </p:sp>
@@ -5746,6 +5745,232 @@
   <p:clrMapOvr>
     <a:masterClrMapping/>
   </p:clrMapOvr>
+  <p:timing>
+    <p:tnLst>
+      <p:par>
+        <p:cTn id="1" dur="indefinite" restart="never" nodeType="tmRoot">
+          <p:childTnLst>
+            <p:seq concurrent="1" nextAc="seek">
+              <p:cTn id="2" dur="indefinite" nodeType="mainSeq">
+                <p:childTnLst>
+                  <p:par>
+                    <p:cTn id="3" fill="hold">
+                      <p:stCondLst>
+                        <p:cond delay="indefinite"/>
+                      </p:stCondLst>
+                      <p:childTnLst>
+                        <p:par>
+                          <p:cTn id="4" fill="hold">
+                            <p:stCondLst>
+                              <p:cond delay="0"/>
+                            </p:stCondLst>
+                            <p:childTnLst>
+                              <p:par>
+                                <p:cTn id="5" presetID="1" presetClass="entr" presetSubtype="0" fill="hold" nodeType="clickEffect">
+                                  <p:stCondLst>
+                                    <p:cond delay="0"/>
+                                  </p:stCondLst>
+                                  <p:childTnLst>
+                                    <p:set>
+                                      <p:cBhvr>
+                                        <p:cTn id="6" dur="1" fill="hold">
+                                          <p:stCondLst>
+                                            <p:cond delay="0"/>
+                                          </p:stCondLst>
+                                        </p:cTn>
+                                        <p:tgtEl>
+                                          <p:spTgt spid="3">
+                                            <p:txEl>
+                                              <p:pRg st="0" end="0"/>
+                                            </p:txEl>
+                                          </p:spTgt>
+                                        </p:tgtEl>
+                                        <p:attrNameLst>
+                                          <p:attrName>style.visibility</p:attrName>
+                                        </p:attrNameLst>
+                                      </p:cBhvr>
+                                      <p:to>
+                                        <p:strVal val="visible"/>
+                                      </p:to>
+                                    </p:set>
+                                  </p:childTnLst>
+                                </p:cTn>
+                              </p:par>
+                            </p:childTnLst>
+                          </p:cTn>
+                        </p:par>
+                      </p:childTnLst>
+                    </p:cTn>
+                  </p:par>
+                  <p:par>
+                    <p:cTn id="7" fill="hold">
+                      <p:stCondLst>
+                        <p:cond delay="indefinite"/>
+                      </p:stCondLst>
+                      <p:childTnLst>
+                        <p:par>
+                          <p:cTn id="8" fill="hold">
+                            <p:stCondLst>
+                              <p:cond delay="0"/>
+                            </p:stCondLst>
+                            <p:childTnLst>
+                              <p:par>
+                                <p:cTn id="9" presetID="1" presetClass="entr" presetSubtype="0" fill="hold" nodeType="clickEffect">
+                                  <p:stCondLst>
+                                    <p:cond delay="0"/>
+                                  </p:stCondLst>
+                                  <p:childTnLst>
+                                    <p:set>
+                                      <p:cBhvr>
+                                        <p:cTn id="10" dur="1" fill="hold">
+                                          <p:stCondLst>
+                                            <p:cond delay="0"/>
+                                          </p:stCondLst>
+                                        </p:cTn>
+                                        <p:tgtEl>
+                                          <p:spTgt spid="3">
+                                            <p:txEl>
+                                              <p:pRg st="1" end="1"/>
+                                            </p:txEl>
+                                          </p:spTgt>
+                                        </p:tgtEl>
+                                        <p:attrNameLst>
+                                          <p:attrName>style.visibility</p:attrName>
+                                        </p:attrNameLst>
+                                      </p:cBhvr>
+                                      <p:to>
+                                        <p:strVal val="visible"/>
+                                      </p:to>
+                                    </p:set>
+                                  </p:childTnLst>
+                                </p:cTn>
+                              </p:par>
+                            </p:childTnLst>
+                          </p:cTn>
+                        </p:par>
+                      </p:childTnLst>
+                    </p:cTn>
+                  </p:par>
+                  <p:par>
+                    <p:cTn id="11" fill="hold">
+                      <p:stCondLst>
+                        <p:cond delay="indefinite"/>
+                      </p:stCondLst>
+                      <p:childTnLst>
+                        <p:par>
+                          <p:cTn id="12" fill="hold">
+                            <p:stCondLst>
+                              <p:cond delay="0"/>
+                            </p:stCondLst>
+                            <p:childTnLst>
+                              <p:par>
+                                <p:cTn id="13" presetID="1" presetClass="entr" presetSubtype="0" fill="hold" nodeType="clickEffect">
+                                  <p:stCondLst>
+                                    <p:cond delay="0"/>
+                                  </p:stCondLst>
+                                  <p:childTnLst>
+                                    <p:set>
+                                      <p:cBhvr>
+                                        <p:cTn id="14" dur="1" fill="hold">
+                                          <p:stCondLst>
+                                            <p:cond delay="0"/>
+                                          </p:stCondLst>
+                                        </p:cTn>
+                                        <p:tgtEl>
+                                          <p:spTgt spid="3">
+                                            <p:txEl>
+                                              <p:pRg st="2" end="2"/>
+                                            </p:txEl>
+                                          </p:spTgt>
+                                        </p:tgtEl>
+                                        <p:attrNameLst>
+                                          <p:attrName>style.visibility</p:attrName>
+                                        </p:attrNameLst>
+                                      </p:cBhvr>
+                                      <p:to>
+                                        <p:strVal val="visible"/>
+                                      </p:to>
+                                    </p:set>
+                                  </p:childTnLst>
+                                </p:cTn>
+                              </p:par>
+                            </p:childTnLst>
+                          </p:cTn>
+                        </p:par>
+                      </p:childTnLst>
+                    </p:cTn>
+                  </p:par>
+                  <p:par>
+                    <p:cTn id="15" fill="hold">
+                      <p:stCondLst>
+                        <p:cond delay="indefinite"/>
+                      </p:stCondLst>
+                      <p:childTnLst>
+                        <p:par>
+                          <p:cTn id="16" fill="hold">
+                            <p:stCondLst>
+                              <p:cond delay="0"/>
+                            </p:stCondLst>
+                            <p:childTnLst>
+                              <p:par>
+                                <p:cTn id="17" presetID="1" presetClass="entr" presetSubtype="0" fill="hold" nodeType="clickEffect">
+                                  <p:stCondLst>
+                                    <p:cond delay="0"/>
+                                  </p:stCondLst>
+                                  <p:childTnLst>
+                                    <p:set>
+                                      <p:cBhvr>
+                                        <p:cTn id="18" dur="1" fill="hold">
+                                          <p:stCondLst>
+                                            <p:cond delay="0"/>
+                                          </p:stCondLst>
+                                        </p:cTn>
+                                        <p:tgtEl>
+                                          <p:spTgt spid="3">
+                                            <p:txEl>
+                                              <p:pRg st="3" end="3"/>
+                                            </p:txEl>
+                                          </p:spTgt>
+                                        </p:tgtEl>
+                                        <p:attrNameLst>
+                                          <p:attrName>style.visibility</p:attrName>
+                                        </p:attrNameLst>
+                                      </p:cBhvr>
+                                      <p:to>
+                                        <p:strVal val="visible"/>
+                                      </p:to>
+                                    </p:set>
+                                  </p:childTnLst>
+                                </p:cTn>
+                              </p:par>
+                            </p:childTnLst>
+                          </p:cTn>
+                        </p:par>
+                      </p:childTnLst>
+                    </p:cTn>
+                  </p:par>
+                </p:childTnLst>
+              </p:cTn>
+              <p:prevCondLst>
+                <p:cond evt="onPrev" delay="0">
+                  <p:tgtEl>
+                    <p:sldTgt/>
+                  </p:tgtEl>
+                </p:cond>
+              </p:prevCondLst>
+              <p:nextCondLst>
+                <p:cond evt="onNext" delay="0">
+                  <p:tgtEl>
+                    <p:sldTgt/>
+                  </p:tgtEl>
+                </p:cond>
+              </p:nextCondLst>
+            </p:seq>
+          </p:childTnLst>
+        </p:cTn>
+      </p:par>
+    </p:tnLst>
+  </p:timing>
 </p:sld>
 </file>
 
@@ -5859,6 +6084,263 @@
   <p:clrMapOvr>
     <a:masterClrMapping/>
   </p:clrMapOvr>
+  <p:timing>
+    <p:tnLst>
+      <p:par>
+        <p:cTn id="1" dur="indefinite" restart="never" nodeType="tmRoot">
+          <p:childTnLst>
+            <p:seq concurrent="1" nextAc="seek">
+              <p:cTn id="2" dur="indefinite" nodeType="mainSeq">
+                <p:childTnLst>
+                  <p:par>
+                    <p:cTn id="3" fill="hold">
+                      <p:stCondLst>
+                        <p:cond delay="indefinite"/>
+                      </p:stCondLst>
+                      <p:childTnLst>
+                        <p:par>
+                          <p:cTn id="4" fill="hold">
+                            <p:stCondLst>
+                              <p:cond delay="0"/>
+                            </p:stCondLst>
+                            <p:childTnLst>
+                              <p:par>
+                                <p:cTn id="5" presetID="1" presetClass="entr" presetSubtype="0" fill="hold" nodeType="clickEffect">
+                                  <p:stCondLst>
+                                    <p:cond delay="0"/>
+                                  </p:stCondLst>
+                                  <p:childTnLst>
+                                    <p:set>
+                                      <p:cBhvr>
+                                        <p:cTn id="6" dur="1" fill="hold">
+                                          <p:stCondLst>
+                                            <p:cond delay="0"/>
+                                          </p:stCondLst>
+                                        </p:cTn>
+                                        <p:tgtEl>
+                                          <p:spTgt spid="3">
+                                            <p:txEl>
+                                              <p:pRg st="0" end="0"/>
+                                            </p:txEl>
+                                          </p:spTgt>
+                                        </p:tgtEl>
+                                        <p:attrNameLst>
+                                          <p:attrName>style.visibility</p:attrName>
+                                        </p:attrNameLst>
+                                      </p:cBhvr>
+                                      <p:to>
+                                        <p:strVal val="visible"/>
+                                      </p:to>
+                                    </p:set>
+                                  </p:childTnLst>
+                                </p:cTn>
+                              </p:par>
+                            </p:childTnLst>
+                          </p:cTn>
+                        </p:par>
+                      </p:childTnLst>
+                    </p:cTn>
+                  </p:par>
+                  <p:par>
+                    <p:cTn id="7" fill="hold">
+                      <p:stCondLst>
+                        <p:cond delay="indefinite"/>
+                      </p:stCondLst>
+                      <p:childTnLst>
+                        <p:par>
+                          <p:cTn id="8" fill="hold">
+                            <p:stCondLst>
+                              <p:cond delay="0"/>
+                            </p:stCondLst>
+                            <p:childTnLst>
+                              <p:par>
+                                <p:cTn id="9" presetID="1" presetClass="entr" presetSubtype="0" fill="hold" nodeType="clickEffect">
+                                  <p:stCondLst>
+                                    <p:cond delay="0"/>
+                                  </p:stCondLst>
+                                  <p:childTnLst>
+                                    <p:set>
+                                      <p:cBhvr>
+                                        <p:cTn id="10" dur="1" fill="hold">
+                                          <p:stCondLst>
+                                            <p:cond delay="0"/>
+                                          </p:stCondLst>
+                                        </p:cTn>
+                                        <p:tgtEl>
+                                          <p:spTgt spid="3">
+                                            <p:txEl>
+                                              <p:pRg st="1" end="1"/>
+                                            </p:txEl>
+                                          </p:spTgt>
+                                        </p:tgtEl>
+                                        <p:attrNameLst>
+                                          <p:attrName>style.visibility</p:attrName>
+                                        </p:attrNameLst>
+                                      </p:cBhvr>
+                                      <p:to>
+                                        <p:strVal val="visible"/>
+                                      </p:to>
+                                    </p:set>
+                                  </p:childTnLst>
+                                </p:cTn>
+                              </p:par>
+                            </p:childTnLst>
+                          </p:cTn>
+                        </p:par>
+                      </p:childTnLst>
+                    </p:cTn>
+                  </p:par>
+                  <p:par>
+                    <p:cTn id="11" fill="hold">
+                      <p:stCondLst>
+                        <p:cond delay="indefinite"/>
+                      </p:stCondLst>
+                      <p:childTnLst>
+                        <p:par>
+                          <p:cTn id="12" fill="hold">
+                            <p:stCondLst>
+                              <p:cond delay="0"/>
+                            </p:stCondLst>
+                            <p:childTnLst>
+                              <p:par>
+                                <p:cTn id="13" presetID="1" presetClass="entr" presetSubtype="0" fill="hold" nodeType="clickEffect">
+                                  <p:stCondLst>
+                                    <p:cond delay="0"/>
+                                  </p:stCondLst>
+                                  <p:childTnLst>
+                                    <p:set>
+                                      <p:cBhvr>
+                                        <p:cTn id="14" dur="1" fill="hold">
+                                          <p:stCondLst>
+                                            <p:cond delay="0"/>
+                                          </p:stCondLst>
+                                        </p:cTn>
+                                        <p:tgtEl>
+                                          <p:spTgt spid="3">
+                                            <p:txEl>
+                                              <p:pRg st="2" end="2"/>
+                                            </p:txEl>
+                                          </p:spTgt>
+                                        </p:tgtEl>
+                                        <p:attrNameLst>
+                                          <p:attrName>style.visibility</p:attrName>
+                                        </p:attrNameLst>
+                                      </p:cBhvr>
+                                      <p:to>
+                                        <p:strVal val="visible"/>
+                                      </p:to>
+                                    </p:set>
+                                  </p:childTnLst>
+                                </p:cTn>
+                              </p:par>
+                            </p:childTnLst>
+                          </p:cTn>
+                        </p:par>
+                      </p:childTnLst>
+                    </p:cTn>
+                  </p:par>
+                  <p:par>
+                    <p:cTn id="15" fill="hold">
+                      <p:stCondLst>
+                        <p:cond delay="indefinite"/>
+                      </p:stCondLst>
+                      <p:childTnLst>
+                        <p:par>
+                          <p:cTn id="16" fill="hold">
+                            <p:stCondLst>
+                              <p:cond delay="0"/>
+                            </p:stCondLst>
+                            <p:childTnLst>
+                              <p:par>
+                                <p:cTn id="17" presetID="1" presetClass="entr" presetSubtype="0" fill="hold" nodeType="clickEffect">
+                                  <p:stCondLst>
+                                    <p:cond delay="0"/>
+                                  </p:stCondLst>
+                                  <p:childTnLst>
+                                    <p:set>
+                                      <p:cBhvr>
+                                        <p:cTn id="18" dur="1" fill="hold">
+                                          <p:stCondLst>
+                                            <p:cond delay="0"/>
+                                          </p:stCondLst>
+                                        </p:cTn>
+                                        <p:tgtEl>
+                                          <p:spTgt spid="3">
+                                            <p:txEl>
+                                              <p:pRg st="3" end="3"/>
+                                            </p:txEl>
+                                          </p:spTgt>
+                                        </p:tgtEl>
+                                        <p:attrNameLst>
+                                          <p:attrName>style.visibility</p:attrName>
+                                        </p:attrNameLst>
+                                      </p:cBhvr>
+                                      <p:to>
+                                        <p:strVal val="visible"/>
+                                      </p:to>
+                                    </p:set>
+                                  </p:childTnLst>
+                                </p:cTn>
+                              </p:par>
+                              <p:par>
+                                <p:cTn id="19" presetID="1" presetClass="entr" presetSubtype="0" fill="hold" nodeType="withEffect">
+                                  <p:stCondLst>
+                                    <p:cond delay="0"/>
+                                  </p:stCondLst>
+                                  <p:childTnLst>
+                                    <p:set>
+                                      <p:cBhvr>
+                                        <p:cTn id="20" dur="1" fill="hold">
+                                          <p:stCondLst>
+                                            <p:cond delay="0"/>
+                                          </p:stCondLst>
+                                        </p:cTn>
+                                        <p:tgtEl>
+                                          <p:spTgt spid="3">
+                                            <p:txEl>
+                                              <p:pRg st="4" end="4"/>
+                                            </p:txEl>
+                                          </p:spTgt>
+                                        </p:tgtEl>
+                                        <p:attrNameLst>
+                                          <p:attrName>style.visibility</p:attrName>
+                                        </p:attrNameLst>
+                                      </p:cBhvr>
+                                      <p:to>
+                                        <p:strVal val="visible"/>
+                                      </p:to>
+                                    </p:set>
+                                  </p:childTnLst>
+                                </p:cTn>
+                              </p:par>
+                            </p:childTnLst>
+                          </p:cTn>
+                        </p:par>
+                      </p:childTnLst>
+                    </p:cTn>
+                  </p:par>
+                </p:childTnLst>
+              </p:cTn>
+              <p:prevCondLst>
+                <p:cond evt="onPrev" delay="0">
+                  <p:tgtEl>
+                    <p:sldTgt/>
+                  </p:tgtEl>
+                </p:cond>
+              </p:prevCondLst>
+              <p:nextCondLst>
+                <p:cond evt="onNext" delay="0">
+                  <p:tgtEl>
+                    <p:sldTgt/>
+                  </p:tgtEl>
+                </p:cond>
+              </p:nextCondLst>
+            </p:seq>
+          </p:childTnLst>
+        </p:cTn>
+      </p:par>
+    </p:tnLst>
+  </p:timing>
 </p:sld>
 </file>
 
@@ -5944,15 +6426,15 @@
           <a:p>
             <a:r>
               <a:rPr lang="en-US" dirty="0"/>
-              <a:t>              S_IRWXU  00700 user (file owner) has read, write, </a:t>
-            </a:r>
-            <a:r>
-              <a:rPr lang="en-US" dirty="0" err="1"/>
-              <a:t>andexecute</a:t>
+              <a:t>              S_IRWXU  00700 user (file owner) has read, write</a:t>
+            </a:r>
+            <a:r>
+              <a:rPr lang="en-US"/>
+              <a:t>, and execute </a:t>
             </a:r>
             <a:r>
               <a:rPr lang="en-US" dirty="0"/>
-              <a:t> permission</a:t>
+              <a:t>permission</a:t>
             </a:r>
           </a:p>
           <a:p>
@@ -6007,6 +6489,379 @@
   <p:clrMapOvr>
     <a:masterClrMapping/>
   </p:clrMapOvr>
+  <p:timing>
+    <p:tnLst>
+      <p:par>
+        <p:cTn id="1" dur="indefinite" restart="never" nodeType="tmRoot">
+          <p:childTnLst>
+            <p:seq concurrent="1" nextAc="seek">
+              <p:cTn id="2" dur="indefinite" nodeType="mainSeq">
+                <p:childTnLst>
+                  <p:par>
+                    <p:cTn id="3" fill="hold">
+                      <p:stCondLst>
+                        <p:cond delay="indefinite"/>
+                      </p:stCondLst>
+                      <p:childTnLst>
+                        <p:par>
+                          <p:cTn id="4" fill="hold">
+                            <p:stCondLst>
+                              <p:cond delay="0"/>
+                            </p:stCondLst>
+                            <p:childTnLst>
+                              <p:par>
+                                <p:cTn id="5" presetID="1" presetClass="entr" presetSubtype="0" fill="hold" nodeType="clickEffect">
+                                  <p:stCondLst>
+                                    <p:cond delay="0"/>
+                                  </p:stCondLst>
+                                  <p:childTnLst>
+                                    <p:set>
+                                      <p:cBhvr>
+                                        <p:cTn id="6" dur="1" fill="hold">
+                                          <p:stCondLst>
+                                            <p:cond delay="0"/>
+                                          </p:stCondLst>
+                                        </p:cTn>
+                                        <p:tgtEl>
+                                          <p:spTgt spid="3">
+                                            <p:txEl>
+                                              <p:pRg st="0" end="0"/>
+                                            </p:txEl>
+                                          </p:spTgt>
+                                        </p:tgtEl>
+                                        <p:attrNameLst>
+                                          <p:attrName>style.visibility</p:attrName>
+                                        </p:attrNameLst>
+                                      </p:cBhvr>
+                                      <p:to>
+                                        <p:strVal val="visible"/>
+                                      </p:to>
+                                    </p:set>
+                                  </p:childTnLst>
+                                </p:cTn>
+                              </p:par>
+                            </p:childTnLst>
+                          </p:cTn>
+                        </p:par>
+                      </p:childTnLst>
+                    </p:cTn>
+                  </p:par>
+                  <p:par>
+                    <p:cTn id="7" fill="hold">
+                      <p:stCondLst>
+                        <p:cond delay="indefinite"/>
+                      </p:stCondLst>
+                      <p:childTnLst>
+                        <p:par>
+                          <p:cTn id="8" fill="hold">
+                            <p:stCondLst>
+                              <p:cond delay="0"/>
+                            </p:stCondLst>
+                            <p:childTnLst>
+                              <p:par>
+                                <p:cTn id="9" presetID="1" presetClass="entr" presetSubtype="0" fill="hold" nodeType="clickEffect">
+                                  <p:stCondLst>
+                                    <p:cond delay="0"/>
+                                  </p:stCondLst>
+                                  <p:childTnLst>
+                                    <p:set>
+                                      <p:cBhvr>
+                                        <p:cTn id="10" dur="1" fill="hold">
+                                          <p:stCondLst>
+                                            <p:cond delay="0"/>
+                                          </p:stCondLst>
+                                        </p:cTn>
+                                        <p:tgtEl>
+                                          <p:spTgt spid="3">
+                                            <p:txEl>
+                                              <p:pRg st="1" end="1"/>
+                                            </p:txEl>
+                                          </p:spTgt>
+                                        </p:tgtEl>
+                                        <p:attrNameLst>
+                                          <p:attrName>style.visibility</p:attrName>
+                                        </p:attrNameLst>
+                                      </p:cBhvr>
+                                      <p:to>
+                                        <p:strVal val="visible"/>
+                                      </p:to>
+                                    </p:set>
+                                  </p:childTnLst>
+                                </p:cTn>
+                              </p:par>
+                            </p:childTnLst>
+                          </p:cTn>
+                        </p:par>
+                      </p:childTnLst>
+                    </p:cTn>
+                  </p:par>
+                  <p:par>
+                    <p:cTn id="11" fill="hold">
+                      <p:stCondLst>
+                        <p:cond delay="indefinite"/>
+                      </p:stCondLst>
+                      <p:childTnLst>
+                        <p:par>
+                          <p:cTn id="12" fill="hold">
+                            <p:stCondLst>
+                              <p:cond delay="0"/>
+                            </p:stCondLst>
+                            <p:childTnLst>
+                              <p:par>
+                                <p:cTn id="13" presetID="1" presetClass="entr" presetSubtype="0" fill="hold" nodeType="clickEffect">
+                                  <p:stCondLst>
+                                    <p:cond delay="0"/>
+                                  </p:stCondLst>
+                                  <p:childTnLst>
+                                    <p:set>
+                                      <p:cBhvr>
+                                        <p:cTn id="14" dur="1" fill="hold">
+                                          <p:stCondLst>
+                                            <p:cond delay="0"/>
+                                          </p:stCondLst>
+                                        </p:cTn>
+                                        <p:tgtEl>
+                                          <p:spTgt spid="3">
+                                            <p:txEl>
+                                              <p:pRg st="2" end="2"/>
+                                            </p:txEl>
+                                          </p:spTgt>
+                                        </p:tgtEl>
+                                        <p:attrNameLst>
+                                          <p:attrName>style.visibility</p:attrName>
+                                        </p:attrNameLst>
+                                      </p:cBhvr>
+                                      <p:to>
+                                        <p:strVal val="visible"/>
+                                      </p:to>
+                                    </p:set>
+                                  </p:childTnLst>
+                                </p:cTn>
+                              </p:par>
+                            </p:childTnLst>
+                          </p:cTn>
+                        </p:par>
+                      </p:childTnLst>
+                    </p:cTn>
+                  </p:par>
+                  <p:par>
+                    <p:cTn id="15" fill="hold">
+                      <p:stCondLst>
+                        <p:cond delay="indefinite"/>
+                      </p:stCondLst>
+                      <p:childTnLst>
+                        <p:par>
+                          <p:cTn id="16" fill="hold">
+                            <p:stCondLst>
+                              <p:cond delay="0"/>
+                            </p:stCondLst>
+                            <p:childTnLst>
+                              <p:par>
+                                <p:cTn id="17" presetID="1" presetClass="entr" presetSubtype="0" fill="hold" nodeType="clickEffect">
+                                  <p:stCondLst>
+                                    <p:cond delay="0"/>
+                                  </p:stCondLst>
+                                  <p:childTnLst>
+                                    <p:set>
+                                      <p:cBhvr>
+                                        <p:cTn id="18" dur="1" fill="hold">
+                                          <p:stCondLst>
+                                            <p:cond delay="0"/>
+                                          </p:stCondLst>
+                                        </p:cTn>
+                                        <p:tgtEl>
+                                          <p:spTgt spid="3">
+                                            <p:txEl>
+                                              <p:pRg st="3" end="3"/>
+                                            </p:txEl>
+                                          </p:spTgt>
+                                        </p:tgtEl>
+                                        <p:attrNameLst>
+                                          <p:attrName>style.visibility</p:attrName>
+                                        </p:attrNameLst>
+                                      </p:cBhvr>
+                                      <p:to>
+                                        <p:strVal val="visible"/>
+                                      </p:to>
+                                    </p:set>
+                                  </p:childTnLst>
+                                </p:cTn>
+                              </p:par>
+                            </p:childTnLst>
+                          </p:cTn>
+                        </p:par>
+                      </p:childTnLst>
+                    </p:cTn>
+                  </p:par>
+                  <p:par>
+                    <p:cTn id="19" fill="hold">
+                      <p:stCondLst>
+                        <p:cond delay="indefinite"/>
+                      </p:stCondLst>
+                      <p:childTnLst>
+                        <p:par>
+                          <p:cTn id="20" fill="hold">
+                            <p:stCondLst>
+                              <p:cond delay="0"/>
+                            </p:stCondLst>
+                            <p:childTnLst>
+                              <p:par>
+                                <p:cTn id="21" presetID="1" presetClass="entr" presetSubtype="0" fill="hold" nodeType="clickEffect">
+                                  <p:stCondLst>
+                                    <p:cond delay="0"/>
+                                  </p:stCondLst>
+                                  <p:childTnLst>
+                                    <p:set>
+                                      <p:cBhvr>
+                                        <p:cTn id="22" dur="1" fill="hold">
+                                          <p:stCondLst>
+                                            <p:cond delay="0"/>
+                                          </p:stCondLst>
+                                        </p:cTn>
+                                        <p:tgtEl>
+                                          <p:spTgt spid="3">
+                                            <p:txEl>
+                                              <p:pRg st="4" end="4"/>
+                                            </p:txEl>
+                                          </p:spTgt>
+                                        </p:tgtEl>
+                                        <p:attrNameLst>
+                                          <p:attrName>style.visibility</p:attrName>
+                                        </p:attrNameLst>
+                                      </p:cBhvr>
+                                      <p:to>
+                                        <p:strVal val="visible"/>
+                                      </p:to>
+                                    </p:set>
+                                  </p:childTnLst>
+                                </p:cTn>
+                              </p:par>
+                            </p:childTnLst>
+                          </p:cTn>
+                        </p:par>
+                      </p:childTnLst>
+                    </p:cTn>
+                  </p:par>
+                  <p:par>
+                    <p:cTn id="23" fill="hold">
+                      <p:stCondLst>
+                        <p:cond delay="indefinite"/>
+                      </p:stCondLst>
+                      <p:childTnLst>
+                        <p:par>
+                          <p:cTn id="24" fill="hold">
+                            <p:stCondLst>
+                              <p:cond delay="0"/>
+                            </p:stCondLst>
+                            <p:childTnLst>
+                              <p:par>
+                                <p:cTn id="25" presetID="1" presetClass="entr" presetSubtype="0" fill="hold" nodeType="clickEffect">
+                                  <p:stCondLst>
+                                    <p:cond delay="0"/>
+                                  </p:stCondLst>
+                                  <p:childTnLst>
+                                    <p:set>
+                                      <p:cBhvr>
+                                        <p:cTn id="26" dur="1" fill="hold">
+                                          <p:stCondLst>
+                                            <p:cond delay="0"/>
+                                          </p:stCondLst>
+                                        </p:cTn>
+                                        <p:tgtEl>
+                                          <p:spTgt spid="3">
+                                            <p:txEl>
+                                              <p:pRg st="5" end="5"/>
+                                            </p:txEl>
+                                          </p:spTgt>
+                                        </p:tgtEl>
+                                        <p:attrNameLst>
+                                          <p:attrName>style.visibility</p:attrName>
+                                        </p:attrNameLst>
+                                      </p:cBhvr>
+                                      <p:to>
+                                        <p:strVal val="visible"/>
+                                      </p:to>
+                                    </p:set>
+                                  </p:childTnLst>
+                                </p:cTn>
+                              </p:par>
+                            </p:childTnLst>
+                          </p:cTn>
+                        </p:par>
+                      </p:childTnLst>
+                    </p:cTn>
+                  </p:par>
+                  <p:par>
+                    <p:cTn id="27" fill="hold">
+                      <p:stCondLst>
+                        <p:cond delay="indefinite"/>
+                      </p:stCondLst>
+                      <p:childTnLst>
+                        <p:par>
+                          <p:cTn id="28" fill="hold">
+                            <p:stCondLst>
+                              <p:cond delay="0"/>
+                            </p:stCondLst>
+                            <p:childTnLst>
+                              <p:par>
+                                <p:cTn id="29" presetID="1" presetClass="entr" presetSubtype="0" fill="hold" nodeType="clickEffect">
+                                  <p:stCondLst>
+                                    <p:cond delay="0"/>
+                                  </p:stCondLst>
+                                  <p:childTnLst>
+                                    <p:set>
+                                      <p:cBhvr>
+                                        <p:cTn id="30" dur="1" fill="hold">
+                                          <p:stCondLst>
+                                            <p:cond delay="0"/>
+                                          </p:stCondLst>
+                                        </p:cTn>
+                                        <p:tgtEl>
+                                          <p:spTgt spid="3">
+                                            <p:txEl>
+                                              <p:pRg st="6" end="6"/>
+                                            </p:txEl>
+                                          </p:spTgt>
+                                        </p:tgtEl>
+                                        <p:attrNameLst>
+                                          <p:attrName>style.visibility</p:attrName>
+                                        </p:attrNameLst>
+                                      </p:cBhvr>
+                                      <p:to>
+                                        <p:strVal val="visible"/>
+                                      </p:to>
+                                    </p:set>
+                                  </p:childTnLst>
+                                </p:cTn>
+                              </p:par>
+                            </p:childTnLst>
+                          </p:cTn>
+                        </p:par>
+                      </p:childTnLst>
+                    </p:cTn>
+                  </p:par>
+                </p:childTnLst>
+              </p:cTn>
+              <p:prevCondLst>
+                <p:cond evt="onPrev" delay="0">
+                  <p:tgtEl>
+                    <p:sldTgt/>
+                  </p:tgtEl>
+                </p:cond>
+              </p:prevCondLst>
+              <p:nextCondLst>
+                <p:cond evt="onNext" delay="0">
+                  <p:tgtEl>
+                    <p:sldTgt/>
+                  </p:tgtEl>
+                </p:cond>
+              </p:nextCondLst>
+            </p:seq>
+          </p:childTnLst>
+        </p:cTn>
+      </p:par>
+    </p:tnLst>
+  </p:timing>
 </p:sld>
 </file>
 
@@ -6129,6 +6984,81 @@
   <p:clrMapOvr>
     <a:masterClrMapping/>
   </p:clrMapOvr>
+  <p:timing>
+    <p:tnLst>
+      <p:par>
+        <p:cTn id="1" dur="indefinite" restart="never" nodeType="tmRoot">
+          <p:childTnLst>
+            <p:seq concurrent="1" nextAc="seek">
+              <p:cTn id="2" dur="indefinite" nodeType="mainSeq">
+                <p:childTnLst>
+                  <p:par>
+                    <p:cTn id="3" fill="hold">
+                      <p:stCondLst>
+                        <p:cond delay="indefinite"/>
+                      </p:stCondLst>
+                      <p:childTnLst>
+                        <p:par>
+                          <p:cTn id="4" fill="hold">
+                            <p:stCondLst>
+                              <p:cond delay="0"/>
+                            </p:stCondLst>
+                            <p:childTnLst>
+                              <p:par>
+                                <p:cTn id="5" presetID="1" presetClass="entr" presetSubtype="0" fill="hold" nodeType="clickEffect">
+                                  <p:stCondLst>
+                                    <p:cond delay="0"/>
+                                  </p:stCondLst>
+                                  <p:childTnLst>
+                                    <p:set>
+                                      <p:cBhvr>
+                                        <p:cTn id="6" dur="1" fill="hold">
+                                          <p:stCondLst>
+                                            <p:cond delay="0"/>
+                                          </p:stCondLst>
+                                        </p:cTn>
+                                        <p:tgtEl>
+                                          <p:spTgt spid="5"/>
+                                        </p:tgtEl>
+                                        <p:attrNameLst>
+                                          <p:attrName>style.visibility</p:attrName>
+                                        </p:attrNameLst>
+                                      </p:cBhvr>
+                                      <p:to>
+                                        <p:strVal val="visible"/>
+                                      </p:to>
+                                    </p:set>
+                                  </p:childTnLst>
+                                </p:cTn>
+                              </p:par>
+                            </p:childTnLst>
+                          </p:cTn>
+                        </p:par>
+                      </p:childTnLst>
+                    </p:cTn>
+                  </p:par>
+                </p:childTnLst>
+              </p:cTn>
+              <p:prevCondLst>
+                <p:cond evt="onPrev" delay="0">
+                  <p:tgtEl>
+                    <p:sldTgt/>
+                  </p:tgtEl>
+                </p:cond>
+              </p:prevCondLst>
+              <p:nextCondLst>
+                <p:cond evt="onNext" delay="0">
+                  <p:tgtEl>
+                    <p:sldTgt/>
+                  </p:tgtEl>
+                </p:cond>
+              </p:nextCondLst>
+            </p:seq>
+          </p:childTnLst>
+        </p:cTn>
+      </p:par>
+    </p:tnLst>
+  </p:timing>
 </p:sld>
 </file>
 
@@ -6215,6 +7145,81 @@
   <p:clrMapOvr>
     <a:masterClrMapping/>
   </p:clrMapOvr>
+  <p:timing>
+    <p:tnLst>
+      <p:par>
+        <p:cTn id="1" dur="indefinite" restart="never" nodeType="tmRoot">
+          <p:childTnLst>
+            <p:seq concurrent="1" nextAc="seek">
+              <p:cTn id="2" dur="indefinite" nodeType="mainSeq">
+                <p:childTnLst>
+                  <p:par>
+                    <p:cTn id="3" fill="hold">
+                      <p:stCondLst>
+                        <p:cond delay="indefinite"/>
+                      </p:stCondLst>
+                      <p:childTnLst>
+                        <p:par>
+                          <p:cTn id="4" fill="hold">
+                            <p:stCondLst>
+                              <p:cond delay="0"/>
+                            </p:stCondLst>
+                            <p:childTnLst>
+                              <p:par>
+                                <p:cTn id="5" presetID="1" presetClass="entr" presetSubtype="0" fill="hold" nodeType="clickEffect">
+                                  <p:stCondLst>
+                                    <p:cond delay="0"/>
+                                  </p:stCondLst>
+                                  <p:childTnLst>
+                                    <p:set>
+                                      <p:cBhvr>
+                                        <p:cTn id="6" dur="1" fill="hold">
+                                          <p:stCondLst>
+                                            <p:cond delay="0"/>
+                                          </p:stCondLst>
+                                        </p:cTn>
+                                        <p:tgtEl>
+                                          <p:spTgt spid="5"/>
+                                        </p:tgtEl>
+                                        <p:attrNameLst>
+                                          <p:attrName>style.visibility</p:attrName>
+                                        </p:attrNameLst>
+                                      </p:cBhvr>
+                                      <p:to>
+                                        <p:strVal val="visible"/>
+                                      </p:to>
+                                    </p:set>
+                                  </p:childTnLst>
+                                </p:cTn>
+                              </p:par>
+                            </p:childTnLst>
+                          </p:cTn>
+                        </p:par>
+                      </p:childTnLst>
+                    </p:cTn>
+                  </p:par>
+                </p:childTnLst>
+              </p:cTn>
+              <p:prevCondLst>
+                <p:cond evt="onPrev" delay="0">
+                  <p:tgtEl>
+                    <p:sldTgt/>
+                  </p:tgtEl>
+                </p:cond>
+              </p:prevCondLst>
+              <p:nextCondLst>
+                <p:cond evt="onNext" delay="0">
+                  <p:tgtEl>
+                    <p:sldTgt/>
+                  </p:tgtEl>
+                </p:cond>
+              </p:nextCondLst>
+            </p:seq>
+          </p:childTnLst>
+        </p:cTn>
+      </p:par>
+    </p:tnLst>
+  </p:timing>
 </p:sld>
 </file>
 
@@ -6405,6 +7410,81 @@
   <p:clrMapOvr>
     <a:masterClrMapping/>
   </p:clrMapOvr>
+  <p:timing>
+    <p:tnLst>
+      <p:par>
+        <p:cTn id="1" dur="indefinite" restart="never" nodeType="tmRoot">
+          <p:childTnLst>
+            <p:seq concurrent="1" nextAc="seek">
+              <p:cTn id="2" dur="indefinite" nodeType="mainSeq">
+                <p:childTnLst>
+                  <p:par>
+                    <p:cTn id="3" fill="hold">
+                      <p:stCondLst>
+                        <p:cond delay="indefinite"/>
+                      </p:stCondLst>
+                      <p:childTnLst>
+                        <p:par>
+                          <p:cTn id="4" fill="hold">
+                            <p:stCondLst>
+                              <p:cond delay="0"/>
+                            </p:stCondLst>
+                            <p:childTnLst>
+                              <p:par>
+                                <p:cTn id="5" presetID="1" presetClass="entr" presetSubtype="0" fill="hold" nodeType="clickEffect">
+                                  <p:stCondLst>
+                                    <p:cond delay="0"/>
+                                  </p:stCondLst>
+                                  <p:childTnLst>
+                                    <p:set>
+                                      <p:cBhvr>
+                                        <p:cTn id="6" dur="1" fill="hold">
+                                          <p:stCondLst>
+                                            <p:cond delay="0"/>
+                                          </p:stCondLst>
+                                        </p:cTn>
+                                        <p:tgtEl>
+                                          <p:spTgt spid="5"/>
+                                        </p:tgtEl>
+                                        <p:attrNameLst>
+                                          <p:attrName>style.visibility</p:attrName>
+                                        </p:attrNameLst>
+                                      </p:cBhvr>
+                                      <p:to>
+                                        <p:strVal val="visible"/>
+                                      </p:to>
+                                    </p:set>
+                                  </p:childTnLst>
+                                </p:cTn>
+                              </p:par>
+                            </p:childTnLst>
+                          </p:cTn>
+                        </p:par>
+                      </p:childTnLst>
+                    </p:cTn>
+                  </p:par>
+                </p:childTnLst>
+              </p:cTn>
+              <p:prevCondLst>
+                <p:cond evt="onPrev" delay="0">
+                  <p:tgtEl>
+                    <p:sldTgt/>
+                  </p:tgtEl>
+                </p:cond>
+              </p:prevCondLst>
+              <p:nextCondLst>
+                <p:cond evt="onNext" delay="0">
+                  <p:tgtEl>
+                    <p:sldTgt/>
+                  </p:tgtEl>
+                </p:cond>
+              </p:nextCondLst>
+            </p:seq>
+          </p:childTnLst>
+        </p:cTn>
+      </p:par>
+    </p:tnLst>
+  </p:timing>
 </p:sld>
 </file>
 
